--- a/topic-01/talk-1/project2-intro.pptx
+++ b/topic-01/talk-1/project2-intro.pptx
@@ -2837,7 +2837,7 @@
           <a:p>
             <a:fld id="{4A33BD21-EB78-4BB4-A1BE-2540BDB3FAFF}" type="datetimeFigureOut">
               <a:rPr lang="en-US"/>
-              <a:t>1/21/2022</a:t>
+              <a:t>1/19/2023</a:t>
             </a:fld>
             <a:endParaRPr lang="en-US"/>
           </a:p>
@@ -4338,7 +4338,7 @@
           <a:p>
             <a:fld id="{4BDF68E2-58F2-4D09-BE8B-E3BD06533059}" type="datetimeFigureOut">
               <a:rPr lang="en-US" dirty="0"/>
-              <a:t>1/21/2022</a:t>
+              <a:t>1/19/2023</a:t>
             </a:fld>
             <a:endParaRPr lang="en-US" dirty="0"/>
           </a:p>
@@ -4541,7 +4541,7 @@
           <a:p>
             <a:fld id="{2E2D6473-DF6D-4702-B328-E0DD40540A4E}" type="datetimeFigureOut">
               <a:rPr lang="en-US" dirty="0"/>
-              <a:t>1/21/2022</a:t>
+              <a:t>1/19/2023</a:t>
             </a:fld>
             <a:endParaRPr lang="en-US" dirty="0"/>
           </a:p>
@@ -4792,7 +4792,7 @@
           <a:p>
             <a:fld id="{E26F7E3A-B166-407D-9866-32884E7D5B37}" type="datetimeFigureOut">
               <a:rPr lang="en-US" dirty="0"/>
-              <a:t>1/21/2022</a:t>
+              <a:t>1/19/2023</a:t>
             </a:fld>
             <a:endParaRPr lang="en-US" dirty="0"/>
           </a:p>
@@ -4961,7 +4961,7 @@
           <a:p>
             <a:fld id="{528FC5F6-F338-4AE4-BB23-26385BCFC423}" type="datetimeFigureOut">
               <a:rPr lang="en-US" dirty="0"/>
-              <a:t>1/21/2022</a:t>
+              <a:t>1/19/2023</a:t>
             </a:fld>
             <a:endParaRPr lang="en-US" dirty="0"/>
           </a:p>
@@ -5299,7 +5299,7 @@
           <a:p>
             <a:fld id="{20EBB0C4-6273-4C6E-B9BD-2EDC30F1CD52}" type="datetimeFigureOut">
               <a:rPr lang="en-US" dirty="0"/>
-              <a:t>1/21/2022</a:t>
+              <a:t>1/19/2023</a:t>
             </a:fld>
             <a:endParaRPr lang="en-US" dirty="0"/>
           </a:p>
@@ -5569,7 +5569,7 @@
           <a:p>
             <a:fld id="{19AB4D41-86C1-4908-B66A-0B50CEB3BF29}" type="datetimeFigureOut">
               <a:rPr lang="en-US" dirty="0"/>
-              <a:t>1/21/2022</a:t>
+              <a:t>1/19/2023</a:t>
             </a:fld>
             <a:endParaRPr lang="en-US" dirty="0"/>
           </a:p>
@@ -5943,7 +5943,7 @@
           <a:p>
             <a:fld id="{E6426E2C-56C1-4E0D-A793-0088A7FDD37E}" type="datetimeFigureOut">
               <a:rPr lang="en-US" dirty="0"/>
-              <a:t>1/21/2022</a:t>
+              <a:t>1/19/2023</a:t>
             </a:fld>
             <a:endParaRPr lang="en-US" dirty="0"/>
           </a:p>
@@ -6056,7 +6056,7 @@
           <a:p>
             <a:fld id="{C8C39B41-D8B5-4052-B551-9B5525EAA8B6}" type="datetimeFigureOut">
               <a:rPr lang="en-US" dirty="0"/>
-              <a:t>1/21/2022</a:t>
+              <a:t>1/19/2023</a:t>
             </a:fld>
             <a:endParaRPr lang="en-US" dirty="0"/>
           </a:p>
@@ -6222,7 +6222,7 @@
           <a:p>
             <a:fld id="{4D94136C-8742-45B2-AF27-D93DF72833A9}" type="datetimeFigureOut">
               <a:rPr lang="en-US" dirty="0"/>
-              <a:t>1/21/2022</a:t>
+              <a:t>1/19/2023</a:t>
             </a:fld>
             <a:endParaRPr lang="en-US" dirty="0"/>
           </a:p>
@@ -6572,7 +6572,7 @@
           <a:p>
             <a:fld id="{32ABBEA6-7C60-4B02-AE87-00D78D8422AF}" type="datetimeFigureOut">
               <a:rPr lang="en-US" dirty="0"/>
-              <a:t>1/21/2022</a:t>
+              <a:t>1/19/2023</a:t>
             </a:fld>
             <a:endParaRPr lang="en-US" dirty="0"/>
           </a:p>
@@ -6947,7 +6947,7 @@
           <a:p>
             <a:fld id="{C9CAD897-D46E-4AD2-BD9B-49DD3E640873}" type="datetimeFigureOut">
               <a:rPr lang="en-US" dirty="0"/>
-              <a:t>1/21/2022</a:t>
+              <a:t>1/19/2023</a:t>
             </a:fld>
             <a:endParaRPr lang="en-US" dirty="0"/>
           </a:p>
@@ -7229,7 +7229,7 @@
           <a:p>
             <a:fld id="{98624D31-43A5-475A-80CF-332C9F6DCF35}" type="datetimeFigureOut">
               <a:rPr lang="en-US" dirty="0"/>
-              <a:t>1/21/2022</a:t>
+              <a:t>1/19/2023</a:t>
             </a:fld>
             <a:endParaRPr lang="en-US" dirty="0"/>
           </a:p>
@@ -7733,6 +7733,14 @@
 <file path=ppt/slides/slide1.xml><?xml version="1.0" encoding="utf-8"?>
 <p:sld xmlns:a="http://schemas.openxmlformats.org/drawingml/2006/main" xmlns:r="http://schemas.openxmlformats.org/officeDocument/2006/relationships" xmlns:p="http://schemas.openxmlformats.org/presentationml/2006/main">
   <p:cSld>
+    <p:bg>
+      <p:bgPr>
+        <a:solidFill>
+          <a:schemeClr val="bg1"/>
+        </a:solidFill>
+        <a:effectLst/>
+      </p:bgPr>
+    </p:bg>
     <p:spTree>
       <p:nvGrpSpPr>
         <p:cNvPr id="1" name=""/>
@@ -7747,6 +7755,66 @@
           <a:chExt cx="0" cy="0"/>
         </a:xfrm>
       </p:grpSpPr>
+      <p:sp useBgFill="1">
+        <p:nvSpPr>
+          <p:cNvPr id="10" name="Rectangle 9">
+            <a:extLst>
+              <a:ext uri="{FF2B5EF4-FFF2-40B4-BE49-F238E27FC236}">
+                <a16:creationId xmlns:a16="http://schemas.microsoft.com/office/drawing/2014/main" id="{FA4CD5CB-D209-4D70-8CA4-629731C59219}"/>
+              </a:ext>
+              <a:ext uri="{C183D7F6-B498-43B3-948B-1728B52AA6E4}">
+                <adec:decorative xmlns:adec="http://schemas.microsoft.com/office/drawing/2017/decorative" val="1"/>
+              </a:ext>
+            </a:extLst>
+          </p:cNvPr>
+          <p:cNvSpPr>
+            <a:spLocks noGrp="1" noRot="1" noChangeAspect="1" noMove="1" noResize="1" noEditPoints="1" noAdjustHandles="1" noChangeArrowheads="1" noChangeShapeType="1" noTextEdit="1"/>
+          </p:cNvSpPr>
+          <p:nvPr>
+            <p:extLst>
+              <p:ext uri="{386F3935-93C4-4BCD-93E2-E3B085C9AB24}">
+                <p16:designElem xmlns:p16="http://schemas.microsoft.com/office/powerpoint/2015/main" val="1"/>
+              </p:ext>
+            </p:extLst>
+          </p:nvPr>
+        </p:nvSpPr>
+        <p:spPr>
+          <a:xfrm>
+            <a:off x="0" y="0"/>
+            <a:ext cx="12192001" cy="6334316"/>
+          </a:xfrm>
+          <a:prstGeom prst="rect">
+            <a:avLst/>
+          </a:prstGeom>
+          <a:ln>
+            <a:noFill/>
+          </a:ln>
+        </p:spPr>
+        <p:style>
+          <a:lnRef idx="2">
+            <a:schemeClr val="accent1">
+              <a:shade val="50000"/>
+            </a:schemeClr>
+          </a:lnRef>
+          <a:fillRef idx="1">
+            <a:schemeClr val="accent1"/>
+          </a:fillRef>
+          <a:effectRef idx="0">
+            <a:schemeClr val="accent1"/>
+          </a:effectRef>
+          <a:fontRef idx="minor">
+            <a:schemeClr val="lt1"/>
+          </a:fontRef>
+        </p:style>
+        <p:txBody>
+          <a:bodyPr rtlCol="0" anchor="ctr"/>
+          <a:lstStyle/>
+          <a:p>
+            <a:pPr algn="ctr"/>
+            <a:endParaRPr lang="en-US"/>
+          </a:p>
+        </p:txBody>
+      </p:sp>
       <p:sp>
         <p:nvSpPr>
           <p:cNvPr id="2" name="Title 1"/>
@@ -7757,43 +7825,254 @@
             <p:ph type="ctrTitle"/>
           </p:nvPr>
         </p:nvSpPr>
-        <p:spPr/>
-        <p:txBody>
-          <a:bodyPr/>
-          <a:lstStyle/>
-          <a:p>
-            <a:r>
-              <a:rPr lang="en-US"/>
-              <a:t>Project II</a:t>
-            </a:r>
-            <a:endParaRPr lang="en-US" dirty="0"/>
-          </a:p>
-        </p:txBody>
-      </p:sp>
-      <p:sp>
-        <p:nvSpPr>
-          <p:cNvPr id="3" name="Subtitle 2"/>
-          <p:cNvSpPr>
-            <a:spLocks noGrp="1"/>
-          </p:cNvSpPr>
-          <p:nvPr>
-            <p:ph type="subTitle" idx="1"/>
-          </p:nvPr>
-        </p:nvSpPr>
-        <p:spPr/>
-        <p:txBody>
-          <a:bodyPr vert="horz" lIns="91440" tIns="45720" rIns="91440" bIns="45720" rtlCol="0" anchor="t">
+        <p:spPr>
+          <a:xfrm>
+            <a:off x="8141110" y="639097"/>
+            <a:ext cx="3401961" cy="3686015"/>
+          </a:xfrm>
+        </p:spPr>
+        <p:txBody>
+          <a:bodyPr>
             <a:normAutofit/>
           </a:bodyPr>
           <a:lstStyle/>
           <a:p>
             <a:r>
-              <a:rPr lang="en-US"/>
+              <a:rPr lang="en-US" sz="6600"/>
+              <a:t>Project II</a:t>
+            </a:r>
+          </a:p>
+        </p:txBody>
+      </p:sp>
+      <p:sp>
+        <p:nvSpPr>
+          <p:cNvPr id="3" name="Subtitle 2"/>
+          <p:cNvSpPr>
+            <a:spLocks noGrp="1"/>
+          </p:cNvSpPr>
+          <p:nvPr>
+            <p:ph type="subTitle" idx="1"/>
+          </p:nvPr>
+        </p:nvSpPr>
+        <p:spPr>
+          <a:xfrm>
+            <a:off x="8141110" y="4455621"/>
+            <a:ext cx="3417990" cy="1238616"/>
+          </a:xfrm>
+        </p:spPr>
+        <p:txBody>
+          <a:bodyPr vert="horz" lIns="91440" tIns="45720" rIns="91440" bIns="45720" rtlCol="0">
+            <a:normAutofit/>
+          </a:bodyPr>
+          <a:lstStyle/>
+          <a:p>
+            <a:r>
+              <a:rPr lang="en-US" sz="2000">
+                <a:solidFill>
+                  <a:schemeClr val="tx1">
+                    <a:lumMod val="85000"/>
+                    <a:lumOff val="15000"/>
+                  </a:schemeClr>
+                </a:solidFill>
+              </a:rPr>
               <a:t>introduction</a:t>
             </a:r>
-            <a:endParaRPr lang="en-US" dirty="0"/>
-          </a:p>
-        </p:txBody>
+          </a:p>
+        </p:txBody>
+      </p:sp>
+      <p:pic>
+        <p:nvPicPr>
+          <p:cNvPr id="5" name="Picture 4" descr="Diagram&#10;&#10;Description automatically generated with medium confidence">
+            <a:extLst>
+              <a:ext uri="{FF2B5EF4-FFF2-40B4-BE49-F238E27FC236}">
+                <a16:creationId xmlns:a16="http://schemas.microsoft.com/office/drawing/2014/main" id="{93022D7F-36AE-F7CB-1621-E3E069585F06}"/>
+              </a:ext>
+            </a:extLst>
+          </p:cNvPr>
+          <p:cNvPicPr>
+            <a:picLocks noChangeAspect="1"/>
+          </p:cNvPicPr>
+          <p:nvPr/>
+        </p:nvPicPr>
+        <p:blipFill>
+          <a:blip r:embed="rId3"/>
+          <a:stretch>
+            <a:fillRect/>
+          </a:stretch>
+        </p:blipFill>
+        <p:spPr>
+          <a:xfrm>
+            <a:off x="1782180" y="640081"/>
+            <a:ext cx="4615855" cy="5054156"/>
+          </a:xfrm>
+          <a:prstGeom prst="rect">
+            <a:avLst/>
+          </a:prstGeom>
+        </p:spPr>
+      </p:pic>
+      <p:cxnSp>
+        <p:nvCxnSpPr>
+          <p:cNvPr id="12" name="Straight Connector 11">
+            <a:extLst>
+              <a:ext uri="{FF2B5EF4-FFF2-40B4-BE49-F238E27FC236}">
+                <a16:creationId xmlns:a16="http://schemas.microsoft.com/office/drawing/2014/main" id="{5C6A2BAE-B461-4B55-8E1F-0722ABDD1393}"/>
+              </a:ext>
+              <a:ext uri="{C183D7F6-B498-43B3-948B-1728B52AA6E4}">
+                <adec:decorative xmlns:adec="http://schemas.microsoft.com/office/drawing/2017/decorative" val="1"/>
+              </a:ext>
+            </a:extLst>
+          </p:cNvPr>
+          <p:cNvCxnSpPr>
+            <a:cxnSpLocks noGrp="1" noRot="1" noChangeAspect="1" noMove="1" noResize="1" noEditPoints="1" noAdjustHandles="1" noChangeArrowheads="1" noChangeShapeType="1"/>
+          </p:cNvCxnSpPr>
+          <p:nvPr>
+            <p:extLst>
+              <p:ext uri="{386F3935-93C4-4BCD-93E2-E3B085C9AB24}">
+                <p16:designElem xmlns:p16="http://schemas.microsoft.com/office/powerpoint/2015/main" val="1"/>
+              </p:ext>
+            </p:extLst>
+          </p:nvPr>
+        </p:nvCxnSpPr>
+        <p:spPr>
+          <a:xfrm>
+            <a:off x="8209305" y="4343400"/>
+            <a:ext cx="3200400" cy="0"/>
+          </a:xfrm>
+          <a:prstGeom prst="line">
+            <a:avLst/>
+          </a:prstGeom>
+          <a:ln w="6350">
+            <a:solidFill>
+              <a:schemeClr val="tx2">
+                <a:alpha val="90000"/>
+              </a:schemeClr>
+            </a:solidFill>
+          </a:ln>
+        </p:spPr>
+        <p:style>
+          <a:lnRef idx="1">
+            <a:schemeClr val="accent1"/>
+          </a:lnRef>
+          <a:fillRef idx="0">
+            <a:schemeClr val="accent1"/>
+          </a:fillRef>
+          <a:effectRef idx="0">
+            <a:schemeClr val="accent1"/>
+          </a:effectRef>
+          <a:fontRef idx="minor">
+            <a:schemeClr val="tx1"/>
+          </a:fontRef>
+        </p:style>
+      </p:cxnSp>
+      <p:sp>
+        <p:nvSpPr>
+          <p:cNvPr id="14" name="Rectangle 13">
+            <a:extLst>
+              <a:ext uri="{FF2B5EF4-FFF2-40B4-BE49-F238E27FC236}">
+                <a16:creationId xmlns:a16="http://schemas.microsoft.com/office/drawing/2014/main" id="{B4C27B90-DF2B-4D00-BA07-18ED774CD2F1}"/>
+              </a:ext>
+              <a:ext uri="{C183D7F6-B498-43B3-948B-1728B52AA6E4}">
+                <adec:decorative xmlns:adec="http://schemas.microsoft.com/office/drawing/2017/decorative" val="1"/>
+              </a:ext>
+            </a:extLst>
+          </p:cNvPr>
+          <p:cNvSpPr>
+            <a:spLocks noGrp="1" noRot="1" noChangeAspect="1" noMove="1" noResize="1" noEditPoints="1" noAdjustHandles="1" noChangeArrowheads="1" noChangeShapeType="1" noTextEdit="1"/>
+          </p:cNvSpPr>
+          <p:nvPr>
+            <p:extLst>
+              <p:ext uri="{386F3935-93C4-4BCD-93E2-E3B085C9AB24}">
+                <p16:designElem xmlns:p16="http://schemas.microsoft.com/office/powerpoint/2015/main" val="1"/>
+              </p:ext>
+            </p:extLst>
+          </p:nvPr>
+        </p:nvSpPr>
+        <p:spPr>
+          <a:xfrm>
+            <a:off x="15" y="6334316"/>
+            <a:ext cx="12191985" cy="66484"/>
+          </a:xfrm>
+          <a:prstGeom prst="rect">
+            <a:avLst/>
+          </a:prstGeom>
+          <a:solidFill>
+            <a:schemeClr val="accent1"/>
+          </a:solidFill>
+          <a:ln>
+            <a:noFill/>
+          </a:ln>
+        </p:spPr>
+        <p:style>
+          <a:lnRef idx="2">
+            <a:schemeClr val="accent1">
+              <a:shade val="50000"/>
+            </a:schemeClr>
+          </a:lnRef>
+          <a:fillRef idx="1">
+            <a:schemeClr val="accent1"/>
+          </a:fillRef>
+          <a:effectRef idx="0">
+            <a:schemeClr val="accent1"/>
+          </a:effectRef>
+          <a:fontRef idx="minor">
+            <a:schemeClr val="lt1"/>
+          </a:fontRef>
+        </p:style>
+      </p:sp>
+      <p:sp>
+        <p:nvSpPr>
+          <p:cNvPr id="16" name="Rectangle 15">
+            <a:extLst>
+              <a:ext uri="{FF2B5EF4-FFF2-40B4-BE49-F238E27FC236}">
+                <a16:creationId xmlns:a16="http://schemas.microsoft.com/office/drawing/2014/main" id="{593ACC25-C262-417A-8AA9-0641C772BDB6}"/>
+              </a:ext>
+              <a:ext uri="{C183D7F6-B498-43B3-948B-1728B52AA6E4}">
+                <adec:decorative xmlns:adec="http://schemas.microsoft.com/office/drawing/2017/decorative" val="1"/>
+              </a:ext>
+            </a:extLst>
+          </p:cNvPr>
+          <p:cNvSpPr>
+            <a:spLocks noGrp="1" noRot="1" noChangeAspect="1" noMove="1" noResize="1" noEditPoints="1" noAdjustHandles="1" noChangeArrowheads="1" noChangeShapeType="1" noTextEdit="1"/>
+          </p:cNvSpPr>
+          <p:nvPr>
+            <p:extLst>
+              <p:ext uri="{386F3935-93C4-4BCD-93E2-E3B085C9AB24}">
+                <p16:designElem xmlns:p16="http://schemas.microsoft.com/office/powerpoint/2015/main" val="1"/>
+              </p:ext>
+            </p:extLst>
+          </p:nvPr>
+        </p:nvSpPr>
+        <p:spPr>
+          <a:xfrm>
+            <a:off x="1" y="6400800"/>
+            <a:ext cx="12192000" cy="457200"/>
+          </a:xfrm>
+          <a:prstGeom prst="rect">
+            <a:avLst/>
+          </a:prstGeom>
+          <a:solidFill>
+            <a:schemeClr val="accent2"/>
+          </a:solidFill>
+          <a:ln>
+            <a:noFill/>
+          </a:ln>
+        </p:spPr>
+        <p:style>
+          <a:lnRef idx="2">
+            <a:schemeClr val="accent1">
+              <a:shade val="50000"/>
+            </a:schemeClr>
+          </a:lnRef>
+          <a:fillRef idx="1">
+            <a:schemeClr val="accent1"/>
+          </a:fillRef>
+          <a:effectRef idx="0">
+            <a:schemeClr val="accent1"/>
+          </a:effectRef>
+          <a:fontRef idx="minor">
+            <a:schemeClr val="lt1"/>
+          </a:fontRef>
+        </p:style>
       </p:sp>
     </p:spTree>
     <p:extLst>
@@ -7841,10 +8120,9 @@
           <a:lstStyle/>
           <a:p>
             <a:r>
-              <a:rPr lang="en-US"/>
+              <a:rPr lang="en-US" dirty="0"/>
               <a:t>Project II - Delivery &amp; Assessment (Tentative)</a:t>
             </a:r>
-            <a:endParaRPr lang="en-US" dirty="0"/>
           </a:p>
         </p:txBody>
       </p:sp>
@@ -7901,7 +8179,14 @@
             <a:pPr lvl="1"/>
             <a:r>
               <a:rPr lang="en-US" dirty="0"/>
-              <a:t>milestones</a:t>
+              <a:t>Milestones to keep you on track</a:t>
+            </a:r>
+          </a:p>
+          <a:p>
+            <a:pPr lvl="1"/>
+            <a:r>
+              <a:rPr lang="en-US" dirty="0"/>
+              <a:t>All  Formative until final submission (used for feedback)</a:t>
             </a:r>
           </a:p>
           <a:p>
@@ -7920,14 +8205,14 @@
             <p:ph sz="half" idx="2"/>
             <p:extLst>
               <p:ext uri="{D42A27DB-BD31-4B8C-83A1-F6EECF244321}">
-                <p14:modId xmlns:p14="http://schemas.microsoft.com/office/powerpoint/2010/main" val="3080817840"/>
+                <p14:modId xmlns:p14="http://schemas.microsoft.com/office/powerpoint/2010/main" val="3359146287"/>
               </p:ext>
             </p:extLst>
           </p:nvPr>
         </p:nvGraphicFramePr>
         <p:xfrm>
-          <a:off x="7033404" y="1846263"/>
-          <a:ext cx="3693160" cy="2494280"/>
+          <a:off x="6705600" y="1845734"/>
+          <a:ext cx="3693160" cy="2936240"/>
         </p:xfrm>
         <a:graphic>
           <a:graphicData uri="http://schemas.openxmlformats.org/drawingml/2006/table">
@@ -7936,14 +8221,14 @@
                 <a:tableStyleId>{5C22544A-7EE6-4342-B048-85BDC9FD1C3A}</a:tableStyleId>
               </a:tblPr>
               <a:tblGrid>
-                <a:gridCol w="1224280">
+                <a:gridCol w="1535502">
                   <a:extLst>
                     <a:ext uri="{9D8B030D-6E8A-4147-A177-3AD203B41FA5}">
                       <a16:colId xmlns:a16="http://schemas.microsoft.com/office/drawing/2014/main" val="3546785659"/>
                     </a:ext>
                   </a:extLst>
                 </a:gridCol>
-                <a:gridCol w="2468880">
+                <a:gridCol w="2157658">
                   <a:extLst>
                     <a:ext uri="{9D8B030D-6E8A-4147-A177-3AD203B41FA5}">
                       <a16:colId xmlns:a16="http://schemas.microsoft.com/office/drawing/2014/main" val="383816264"/>
@@ -7958,10 +8243,9 @@
                     <a:lstStyle/>
                     <a:p>
                       <a:r>
-                        <a:rPr lang="en-US"/>
+                        <a:rPr lang="en-US" dirty="0"/>
                         <a:t>Date</a:t>
                       </a:r>
-                      <a:endParaRPr lang="en-US" dirty="0"/>
                     </a:p>
                   </a:txBody>
                   <a:tcPr/>
@@ -7994,7 +8278,7 @@
                     <a:p>
                       <a:r>
                         <a:rPr lang="en-US" dirty="0"/>
-                        <a:t>21/1/2022</a:t>
+                        <a:t>TODAY!</a:t>
                       </a:r>
                     </a:p>
                   </a:txBody>
@@ -8028,7 +8312,14 @@
                     <a:p>
                       <a:r>
                         <a:rPr lang="en-US" dirty="0"/>
-                        <a:t>18/2/2022</a:t>
+                        <a:t>Week 5 </a:t>
+                      </a:r>
+                      <a:br>
+                        <a:rPr lang="en-US" dirty="0"/>
+                      </a:br>
+                      <a:r>
+                        <a:rPr lang="en-US" dirty="0"/>
+                        <a:t>(Feb 24)</a:t>
                       </a:r>
                     </a:p>
                   </a:txBody>
@@ -8040,10 +8331,9 @@
                     <a:lstStyle/>
                     <a:p>
                       <a:r>
-                        <a:rPr lang="en-US"/>
+                        <a:rPr lang="en-US" dirty="0"/>
                         <a:t>Project Concept</a:t>
                       </a:r>
-                      <a:endParaRPr lang="en-US" dirty="0"/>
                     </a:p>
                   </a:txBody>
                   <a:tcPr/>
@@ -8062,7 +8352,7 @@
                     <a:p>
                       <a:r>
                         <a:rPr lang="en-US" dirty="0"/>
-                        <a:t>25/3/2022</a:t>
+                        <a:t>Week9 (March 24)</a:t>
                       </a:r>
                     </a:p>
                   </a:txBody>
@@ -8075,7 +8365,7 @@
                     <a:p>
                       <a:r>
                         <a:rPr lang="en-US" dirty="0"/>
-                        <a:t>Status Report Presentation</a:t>
+                        <a:t>Status Report</a:t>
                       </a:r>
                     </a:p>
                   </a:txBody>
@@ -8095,7 +8385,14 @@
                     <a:p>
                       <a:r>
                         <a:rPr lang="en-US" dirty="0"/>
-                        <a:t>29/4/2022</a:t>
+                        <a:t>Week 12/13</a:t>
+                      </a:r>
+                      <a:br>
+                        <a:rPr lang="en-US" dirty="0"/>
+                      </a:br>
+                      <a:r>
+                        <a:rPr lang="en-US" dirty="0"/>
+                        <a:t>(April 21/28)</a:t>
                       </a:r>
                     </a:p>
                   </a:txBody>
@@ -8107,10 +8404,9 @@
                     <a:lstStyle/>
                     <a:p>
                       <a:r>
-                        <a:rPr lang="en-US"/>
-                        <a:t>Project Submission</a:t>
+                        <a:rPr lang="en-US" dirty="0"/>
+                        <a:t>Final Submission/Presentation</a:t>
                       </a:r>
-                      <a:endParaRPr lang="en-US" dirty="0"/>
                     </a:p>
                   </a:txBody>
                   <a:tcPr/>
@@ -8118,40 +8414,6 @@
                 <a:extLst>
                   <a:ext uri="{0D108BD9-81ED-4DB2-BD59-A6C34878D82A}">
                     <a16:rowId xmlns:a16="http://schemas.microsoft.com/office/drawing/2014/main" val="1540965868"/>
-                  </a:ext>
-                </a:extLst>
-              </a:tr>
-              <a:tr h="370840">
-                <a:tc>
-                  <a:txBody>
-                    <a:bodyPr/>
-                    <a:lstStyle/>
-                    <a:p>
-                      <a:r>
-                        <a:rPr lang="en-US"/>
-                        <a:t>6/5/2022</a:t>
-                      </a:r>
-                      <a:endParaRPr lang="en-US" dirty="0"/>
-                    </a:p>
-                  </a:txBody>
-                  <a:tcPr/>
-                </a:tc>
-                <a:tc>
-                  <a:txBody>
-                    <a:bodyPr/>
-                    <a:lstStyle/>
-                    <a:p>
-                      <a:r>
-                        <a:rPr lang="en-US" dirty="0"/>
-                        <a:t>Project presentation</a:t>
-                      </a:r>
-                    </a:p>
-                  </a:txBody>
-                  <a:tcPr/>
-                </a:tc>
-                <a:extLst>
-                  <a:ext uri="{0D108BD9-81ED-4DB2-BD59-A6C34878D82A}">
-                    <a16:rowId xmlns:a16="http://schemas.microsoft.com/office/drawing/2014/main" val="2484385701"/>
                   </a:ext>
                 </a:extLst>
               </a:tr>
@@ -10167,19 +10429,46 @@
           </a:bodyPr>
           <a:lstStyle/>
           <a:p>
-            <a:r>
-              <a:rPr lang="en-US"/>
-              <a:t>IoT programme aims to produce graduates who can immediately engage in industry and research</a:t>
+            <a:pPr marL="0" indent="0">
+              <a:buNone/>
+            </a:pPr>
+            <a:r>
+              <a:rPr lang="en-US" dirty="0"/>
+              <a:t>What’s IoT:</a:t>
+            </a:r>
+            <a:br>
+              <a:rPr lang="en-US" dirty="0"/>
+            </a:br>
+            <a:r>
+              <a:rPr lang="en-US" dirty="0">
+                <a:hlinkClick r:id="rId3"/>
+              </a:rPr>
+              <a:t>https://www.youtube.com/watch?v=6mBO2vqLv38</a:t>
             </a:r>
             <a:endParaRPr lang="en-US" dirty="0"/>
+          </a:p>
+          <a:p>
+            <a:r>
+              <a:rPr lang="en-US" dirty="0"/>
+              <a:t>The IoT stream aims to produce graduates who can immediately engage in industry and research</a:t>
+            </a:r>
           </a:p>
           <a:p>
             <a:r>
               <a:rPr lang="en-US" dirty="0">
                 <a:latin typeface="Calibri" charset="0"/>
               </a:rPr>
-              <a:t>"Challenged to combine the knowledge and skills acquired in the key disciplines"</a:t>
-            </a:r>
+              <a:t>"Challenged to combine the knowledge and skills acquired in the key </a:t>
+            </a:r>
+            <a:r>
+              <a:rPr lang="en-US">
+                <a:latin typeface="Calibri" charset="0"/>
+              </a:rPr>
+              <a:t>disciplines for IoT"</a:t>
+            </a:r>
+            <a:endParaRPr lang="en-US" dirty="0">
+              <a:latin typeface="Calibri" charset="0"/>
+            </a:endParaRPr>
           </a:p>
           <a:p>
             <a:r>
@@ -10214,7 +10503,7 @@
           </p:nvPr>
         </p:nvPicPr>
         <p:blipFill>
-          <a:blip r:embed="rId3"/>
+          <a:blip r:embed="rId4"/>
           <a:stretch>
             <a:fillRect/>
           </a:stretch>
@@ -10638,33 +10927,45 @@
           <a:lstStyle/>
           <a:p>
             <a:r>
-              <a:rPr lang="en-US"/>
+              <a:rPr lang="en-US" dirty="0"/>
               <a:t>Create a working "artifact" that:</a:t>
             </a:r>
-            <a:endParaRPr lang="en-US" dirty="0"/>
           </a:p>
           <a:p>
             <a:pPr lvl="1"/>
             <a:r>
-              <a:rPr lang="en-US"/>
-              <a:t>combines core skills and knowledge from at least two domains of your programme (i.e. Programming, Computer Systems... )</a:t>
-            </a:r>
-            <a:endParaRPr lang="en-US" dirty="0"/>
+              <a:rPr lang="en-US" dirty="0"/>
+              <a:t>combines core skills and knowledge from at least two domains of your </a:t>
+            </a:r>
+            <a:r>
+              <a:rPr lang="en-US" dirty="0" err="1"/>
+              <a:t>programme</a:t>
+            </a:r>
+            <a:r>
+              <a:rPr lang="en-US" dirty="0"/>
+              <a:t> (i.e. Programming, Computer Systems... )</a:t>
+            </a:r>
           </a:p>
           <a:p>
             <a:pPr lvl="1"/>
             <a:r>
-              <a:rPr lang="en-US"/>
-              <a:t>Ideally has an IoT flavour</a:t>
-            </a:r>
-            <a:endParaRPr lang="en-US" dirty="0"/>
-          </a:p>
-          <a:p>
-            <a:r>
-              <a:rPr lang="en-US"/>
+              <a:rPr lang="en-US" dirty="0"/>
+              <a:t>Has an IoT “</a:t>
+            </a:r>
+            <a:r>
+              <a:rPr lang="en-US" dirty="0" err="1"/>
+              <a:t>flavour</a:t>
+            </a:r>
+            <a:r>
+              <a:rPr lang="en-US" dirty="0"/>
+              <a:t>”</a:t>
+            </a:r>
+          </a:p>
+          <a:p>
+            <a:r>
+              <a:rPr lang="en-US" dirty="0"/>
               <a:t>Manage your project using a suitable version control system.</a:t>
             </a:r>
-            <a:endParaRPr lang="en-US" dirty="0"/>
           </a:p>
           <a:p>
             <a:r>
@@ -10768,94 +11069,106 @@
           <a:lstStyle/>
           <a:p>
             <a:r>
-              <a:rPr lang="en-US" sz="2800"/>
+              <a:rPr lang="en-US" sz="2800" dirty="0"/>
               <a:t>Source Control</a:t>
             </a:r>
-            <a:endParaRPr lang="en-US" sz="2800" dirty="0"/>
           </a:p>
           <a:p>
             <a:pPr lvl="1"/>
             <a:r>
-              <a:rPr lang="en-US" sz="2600"/>
-              <a:t>Git/Github/Bitbucket</a:t>
-            </a:r>
-            <a:endParaRPr lang="en-US" sz="2600" dirty="0"/>
-          </a:p>
-          <a:p>
-            <a:r>
-              <a:rPr lang="en-US" sz="2800"/>
+              <a:rPr lang="en-US" sz="2600" dirty="0"/>
+              <a:t>Git/</a:t>
+            </a:r>
+            <a:r>
+              <a:rPr lang="en-US" sz="2600" dirty="0" err="1"/>
+              <a:t>Github</a:t>
+            </a:r>
+            <a:r>
+              <a:rPr lang="en-US" sz="2600" dirty="0"/>
+              <a:t>/Bitbucket</a:t>
+            </a:r>
+          </a:p>
+          <a:p>
+            <a:r>
+              <a:rPr lang="en-US" sz="2800" dirty="0"/>
               <a:t>Single Board Computer(SBC) Programming Basics</a:t>
             </a:r>
-            <a:endParaRPr lang="en-US" sz="2800" dirty="0"/>
           </a:p>
           <a:p>
             <a:pPr lvl="1"/>
             <a:r>
-              <a:rPr lang="en-US" sz="2600"/>
+              <a:rPr lang="en-US" sz="2600" dirty="0"/>
               <a:t>Pi/ Galileo programming</a:t>
             </a:r>
-            <a:endParaRPr lang="en-US" sz="2600" dirty="0"/>
-          </a:p>
-          <a:p>
-            <a:r>
-              <a:rPr lang="en-US" sz="2800"/>
+          </a:p>
+          <a:p>
+            <a:r>
+              <a:rPr lang="en-US" sz="2800" dirty="0"/>
               <a:t>Microcontroller Basics</a:t>
             </a:r>
-            <a:endParaRPr lang="en-US" sz="2800" dirty="0"/>
           </a:p>
           <a:p>
             <a:pPr lvl="1"/>
             <a:r>
-              <a:rPr lang="en-US" sz="2600"/>
+              <a:rPr lang="en-US" sz="2600" dirty="0"/>
               <a:t>Arduino/Galileo</a:t>
             </a:r>
-            <a:endParaRPr lang="en-US" sz="2600" dirty="0"/>
-          </a:p>
-          <a:p>
-            <a:r>
-              <a:rPr lang="en-US" sz="2800"/>
+          </a:p>
+          <a:p>
+            <a:r>
+              <a:rPr lang="en-US" sz="2800" dirty="0"/>
               <a:t>Communication Modalities and Skills</a:t>
             </a:r>
-            <a:endParaRPr lang="en-US" sz="2800" dirty="0"/>
           </a:p>
           <a:p>
             <a:pPr lvl="1"/>
             <a:r>
-              <a:rPr lang="en-US" sz="2600"/>
-              <a:t>Presentation Tools (PP/Prezzi/Trello)</a:t>
-            </a:r>
-            <a:endParaRPr lang="en-US" sz="2600" dirty="0"/>
+              <a:rPr lang="en-US" sz="2600" dirty="0"/>
+              <a:t>Presentation Tools (PP/</a:t>
+            </a:r>
+            <a:r>
+              <a:rPr lang="en-US" sz="2600" dirty="0" err="1"/>
+              <a:t>Prezzi</a:t>
+            </a:r>
+            <a:r>
+              <a:rPr lang="en-US" sz="2600" dirty="0"/>
+              <a:t>/Trello)</a:t>
+            </a:r>
           </a:p>
           <a:p>
             <a:pPr lvl="1"/>
             <a:r>
-              <a:rPr lang="en-US" sz="2600"/>
-              <a:t>Design Tools (Fretzig)</a:t>
-            </a:r>
-            <a:endParaRPr lang="en-US" sz="2600" dirty="0"/>
+              <a:rPr lang="en-US" sz="2600" dirty="0"/>
+              <a:t>Design Tools (</a:t>
+            </a:r>
+            <a:r>
+              <a:rPr lang="en-US" sz="2600" dirty="0" err="1"/>
+              <a:t>Fretzig</a:t>
+            </a:r>
+            <a:r>
+              <a:rPr lang="en-US" sz="2600" dirty="0"/>
+              <a:t>)</a:t>
+            </a:r>
           </a:p>
           <a:p>
             <a:pPr lvl="1"/>
             <a:r>
-              <a:rPr lang="en-US" sz="2600"/>
+              <a:rPr lang="en-US" sz="2600" dirty="0"/>
               <a:t>Documentation Tools(Markdown, Doc generation</a:t>
             </a:r>
-            <a:endParaRPr lang="en-US" sz="2600" dirty="0"/>
-          </a:p>
-          <a:p>
-            <a:r>
-              <a:rPr lang="en-US" sz="2800"/>
+          </a:p>
+          <a:p>
+            <a:r>
+              <a:rPr lang="en-US" sz="2800" dirty="0"/>
               <a:t>SBC breakout and General IO</a:t>
             </a:r>
-            <a:endParaRPr lang="en-US" sz="2800" dirty="0"/>
           </a:p>
           <a:p>
             <a:pPr lvl="1"/>
             <a:r>
-              <a:rPr lang="en-US" sz="2600"/>
+              <a:rPr lang="en-US" sz="2600" dirty="0"/>
               <a:t>Bread boards, Soldering, Sensing</a:t>
             </a:r>
-            <a:endParaRPr lang="en-US" sz="2600" dirty="0"/>
           </a:p>
           <a:p>
             <a:endParaRPr lang="en-US" dirty="0"/>
